--- a/Documentation/ProjectUpdate07022019.pptx
+++ b/Documentation/ProjectUpdate07022019.pptx
@@ -110,6 +110,11 @@
       </a:defRPr>
     </a:lvl9pPr>
   </p:defaultTextStyle>
+  <p:extLst>
+    <p:ext uri="{EFAFB233-063F-42B5-8137-9DF3F51BA10A}">
+      <p15:sldGuideLst xmlns:p15="http://schemas.microsoft.com/office/powerpoint/2012/main"/>
+    </p:ext>
+  </p:extLst>
 </p:presentation>
 </file>
 
@@ -836,7 +841,7 @@
             <a:fld id="{B61BEF0D-F0BB-DE4B-95CE-6DB70DBA9567}" type="datetimeFigureOut">
               <a:rPr lang="en-US" dirty="0"/>
               <a:pPr/>
-              <a:t>7/1/19</a:t>
+              <a:t>7/2/19</a:t>
             </a:fld>
             <a:endParaRPr lang="en-US" dirty="0"/>
           </a:p>
@@ -1084,7 +1089,7 @@
             <a:fld id="{B61BEF0D-F0BB-DE4B-95CE-6DB70DBA9567}" type="datetimeFigureOut">
               <a:rPr lang="en-US" dirty="0"/>
               <a:pPr/>
-              <a:t>7/1/19</a:t>
+              <a:t>7/2/19</a:t>
             </a:fld>
             <a:endParaRPr lang="en-US" dirty="0"/>
           </a:p>
@@ -1395,7 +1400,7 @@
             <a:fld id="{B61BEF0D-F0BB-DE4B-95CE-6DB70DBA9567}" type="datetimeFigureOut">
               <a:rPr lang="en-US" dirty="0"/>
               <a:pPr/>
-              <a:t>7/1/19</a:t>
+              <a:t>7/2/19</a:t>
             </a:fld>
             <a:endParaRPr lang="en-US" dirty="0"/>
           </a:p>
@@ -1733,7 +1738,7 @@
             <a:fld id="{B61BEF0D-F0BB-DE4B-95CE-6DB70DBA9567}" type="datetimeFigureOut">
               <a:rPr lang="en-US" dirty="0"/>
               <a:pPr/>
-              <a:t>7/1/19</a:t>
+              <a:t>7/2/19</a:t>
             </a:fld>
             <a:endParaRPr lang="en-US" dirty="0"/>
           </a:p>
@@ -2044,7 +2049,7 @@
             <a:fld id="{B61BEF0D-F0BB-DE4B-95CE-6DB70DBA9567}" type="datetimeFigureOut">
               <a:rPr lang="en-US" dirty="0"/>
               <a:pPr/>
-              <a:t>7/1/19</a:t>
+              <a:t>7/2/19</a:t>
             </a:fld>
             <a:endParaRPr lang="en-US" dirty="0"/>
           </a:p>
@@ -2434,7 +2439,7 @@
             <a:fld id="{B61BEF0D-F0BB-DE4B-95CE-6DB70DBA9567}" type="datetimeFigureOut">
               <a:rPr lang="en-US" dirty="0"/>
               <a:pPr/>
-              <a:t>7/1/19</a:t>
+              <a:t>7/2/19</a:t>
             </a:fld>
             <a:endParaRPr lang="en-US" dirty="0"/>
           </a:p>
@@ -2600,7 +2605,7 @@
           <a:p>
             <a:fld id="{55C6B4A9-1611-4792-9094-5F34BCA07E0B}" type="datetimeFigureOut">
               <a:rPr lang="en-US" dirty="0"/>
-              <a:t>7/1/19</a:t>
+              <a:t>7/2/19</a:t>
             </a:fld>
             <a:endParaRPr lang="en-US" dirty="0"/>
           </a:p>
@@ -2776,7 +2781,7 @@
             <a:fld id="{B61BEF0D-F0BB-DE4B-95CE-6DB70DBA9567}" type="datetimeFigureOut">
               <a:rPr lang="en-US" dirty="0"/>
               <a:pPr/>
-              <a:t>7/1/19</a:t>
+              <a:t>7/2/19</a:t>
             </a:fld>
             <a:endParaRPr lang="en-US" dirty="0"/>
           </a:p>
@@ -2949,7 +2954,7 @@
             <a:fld id="{B61BEF0D-F0BB-DE4B-95CE-6DB70DBA9567}" type="datetimeFigureOut">
               <a:rPr lang="en-US" dirty="0"/>
               <a:pPr/>
-              <a:t>7/1/19</a:t>
+              <a:t>7/2/19</a:t>
             </a:fld>
             <a:endParaRPr lang="en-US" dirty="0"/>
           </a:p>
@@ -3193,7 +3198,7 @@
             <a:fld id="{B61BEF0D-F0BB-DE4B-95CE-6DB70DBA9567}" type="datetimeFigureOut">
               <a:rPr lang="en-US" dirty="0"/>
               <a:pPr/>
-              <a:t>7/1/19</a:t>
+              <a:t>7/2/19</a:t>
             </a:fld>
             <a:endParaRPr lang="en-US" dirty="0"/>
           </a:p>
@@ -3421,7 +3426,7 @@
           <a:p>
             <a:fld id="{EB712588-04B1-427B-82EE-E8DB90309F08}" type="datetimeFigureOut">
               <a:rPr lang="en-US" dirty="0"/>
-              <a:t>7/1/19</a:t>
+              <a:t>7/2/19</a:t>
             </a:fld>
             <a:endParaRPr lang="en-US" dirty="0"/>
           </a:p>
@@ -3791,7 +3796,7 @@
             <a:fld id="{B61BEF0D-F0BB-DE4B-95CE-6DB70DBA9567}" type="datetimeFigureOut">
               <a:rPr lang="en-US" dirty="0"/>
               <a:pPr/>
-              <a:t>7/1/19</a:t>
+              <a:t>7/2/19</a:t>
             </a:fld>
             <a:endParaRPr lang="en-US" dirty="0"/>
           </a:p>
@@ -3911,7 +3916,7 @@
             <a:fld id="{B61BEF0D-F0BB-DE4B-95CE-6DB70DBA9567}" type="datetimeFigureOut">
               <a:rPr lang="en-US" dirty="0"/>
               <a:pPr/>
-              <a:t>7/1/19</a:t>
+              <a:t>7/2/19</a:t>
             </a:fld>
             <a:endParaRPr lang="en-US" dirty="0"/>
           </a:p>
@@ -4003,7 +4008,7 @@
             <a:fld id="{B61BEF0D-F0BB-DE4B-95CE-6DB70DBA9567}" type="datetimeFigureOut">
               <a:rPr lang="en-US" dirty="0"/>
               <a:pPr/>
-              <a:t>7/1/19</a:t>
+              <a:t>7/2/19</a:t>
             </a:fld>
             <a:endParaRPr lang="en-US" dirty="0"/>
           </a:p>
@@ -4254,7 +4259,7 @@
           <a:p>
             <a:fld id="{42A54C80-263E-416B-A8E0-580EDEADCBDC}" type="datetimeFigureOut">
               <a:rPr lang="en-US" dirty="0"/>
-              <a:t>7/1/19</a:t>
+              <a:t>7/2/19</a:t>
             </a:fld>
             <a:endParaRPr lang="en-US" dirty="0"/>
           </a:p>
@@ -4513,7 +4518,7 @@
             <a:fld id="{B61BEF0D-F0BB-DE4B-95CE-6DB70DBA9567}" type="datetimeFigureOut">
               <a:rPr lang="en-US" dirty="0"/>
               <a:pPr/>
-              <a:t>7/1/19</a:t>
+              <a:t>7/2/19</a:t>
             </a:fld>
             <a:endParaRPr lang="en-US" dirty="0"/>
           </a:p>
@@ -5253,7 +5258,7 @@
             <a:fld id="{B61BEF0D-F0BB-DE4B-95CE-6DB70DBA9567}" type="datetimeFigureOut">
               <a:rPr lang="en-US" dirty="0"/>
               <a:pPr/>
-              <a:t>7/1/19</a:t>
+              <a:t>7/2/19</a:t>
             </a:fld>
             <a:endParaRPr lang="en-US" dirty="0"/>
           </a:p>
@@ -6041,7 +6046,7 @@
           <a:p>
             <a:r>
               <a:rPr lang="en-US" dirty="0"/>
-              <a:t>A consolidated database of spatiotemporal data on missing persons can help law enforcement and advocacy groups identify trends in missing persons data and potentially investigate incidences of exploitation such as human trafficking or serial crime.</a:t>
+              <a:t>A consolidated, consistent and current database of spatiotemporal and demographic data on missing persons can help law enforcement and advocacy groups identify trends in missing persons data and potentially investigate incidences of exploitation such as human trafficking or serial crime.</a:t>
             </a:r>
           </a:p>
         </p:txBody>
@@ -6128,7 +6133,7 @@
         </p:spPr>
         <p:txBody>
           <a:bodyPr>
-            <a:normAutofit/>
+            <a:normAutofit lnSpcReduction="10000"/>
           </a:bodyPr>
           <a:lstStyle/>
           <a:p>
@@ -6143,6 +6148,26 @@
               <a:rPr lang="en-US" dirty="0"/>
               <a:t>Literature Review on missing persons research and data-driven interventions</a:t>
             </a:r>
+          </a:p>
+          <a:p>
+            <a:pPr lvl="2"/>
+            <a:r>
+              <a:rPr lang="en-US" dirty="0"/>
+              <a:t>Urban Indian Health </a:t>
+            </a:r>
+            <a:r>
+              <a:rPr lang="en-US"/>
+              <a:t>Institute (Seattle </a:t>
+            </a:r>
+            <a:r>
+              <a:rPr lang="en-US" dirty="0"/>
+              <a:t>Indian </a:t>
+            </a:r>
+            <a:r>
+              <a:rPr lang="en-US"/>
+              <a:t>Health Board)</a:t>
+            </a:r>
+            <a:endParaRPr lang="en-US" dirty="0"/>
           </a:p>
           <a:p>
             <a:pPr lvl="1"/>

--- a/Documentation/ProjectUpdate07022019.pptx
+++ b/Documentation/ProjectUpdate07022019.pptx
@@ -841,7 +841,7 @@
             <a:fld id="{B61BEF0D-F0BB-DE4B-95CE-6DB70DBA9567}" type="datetimeFigureOut">
               <a:rPr lang="en-US" dirty="0"/>
               <a:pPr/>
-              <a:t>7/2/19</a:t>
+              <a:t>7/4/19</a:t>
             </a:fld>
             <a:endParaRPr lang="en-US" dirty="0"/>
           </a:p>
@@ -1089,7 +1089,7 @@
             <a:fld id="{B61BEF0D-F0BB-DE4B-95CE-6DB70DBA9567}" type="datetimeFigureOut">
               <a:rPr lang="en-US" dirty="0"/>
               <a:pPr/>
-              <a:t>7/2/19</a:t>
+              <a:t>7/4/19</a:t>
             </a:fld>
             <a:endParaRPr lang="en-US" dirty="0"/>
           </a:p>
@@ -1400,7 +1400,7 @@
             <a:fld id="{B61BEF0D-F0BB-DE4B-95CE-6DB70DBA9567}" type="datetimeFigureOut">
               <a:rPr lang="en-US" dirty="0"/>
               <a:pPr/>
-              <a:t>7/2/19</a:t>
+              <a:t>7/4/19</a:t>
             </a:fld>
             <a:endParaRPr lang="en-US" dirty="0"/>
           </a:p>
@@ -1738,7 +1738,7 @@
             <a:fld id="{B61BEF0D-F0BB-DE4B-95CE-6DB70DBA9567}" type="datetimeFigureOut">
               <a:rPr lang="en-US" dirty="0"/>
               <a:pPr/>
-              <a:t>7/2/19</a:t>
+              <a:t>7/4/19</a:t>
             </a:fld>
             <a:endParaRPr lang="en-US" dirty="0"/>
           </a:p>
@@ -2049,7 +2049,7 @@
             <a:fld id="{B61BEF0D-F0BB-DE4B-95CE-6DB70DBA9567}" type="datetimeFigureOut">
               <a:rPr lang="en-US" dirty="0"/>
               <a:pPr/>
-              <a:t>7/2/19</a:t>
+              <a:t>7/4/19</a:t>
             </a:fld>
             <a:endParaRPr lang="en-US" dirty="0"/>
           </a:p>
@@ -2439,7 +2439,7 @@
             <a:fld id="{B61BEF0D-F0BB-DE4B-95CE-6DB70DBA9567}" type="datetimeFigureOut">
               <a:rPr lang="en-US" dirty="0"/>
               <a:pPr/>
-              <a:t>7/2/19</a:t>
+              <a:t>7/4/19</a:t>
             </a:fld>
             <a:endParaRPr lang="en-US" dirty="0"/>
           </a:p>
@@ -2605,7 +2605,7 @@
           <a:p>
             <a:fld id="{55C6B4A9-1611-4792-9094-5F34BCA07E0B}" type="datetimeFigureOut">
               <a:rPr lang="en-US" dirty="0"/>
-              <a:t>7/2/19</a:t>
+              <a:t>7/4/19</a:t>
             </a:fld>
             <a:endParaRPr lang="en-US" dirty="0"/>
           </a:p>
@@ -2781,7 +2781,7 @@
             <a:fld id="{B61BEF0D-F0BB-DE4B-95CE-6DB70DBA9567}" type="datetimeFigureOut">
               <a:rPr lang="en-US" dirty="0"/>
               <a:pPr/>
-              <a:t>7/2/19</a:t>
+              <a:t>7/4/19</a:t>
             </a:fld>
             <a:endParaRPr lang="en-US" dirty="0"/>
           </a:p>
@@ -2954,7 +2954,7 @@
             <a:fld id="{B61BEF0D-F0BB-DE4B-95CE-6DB70DBA9567}" type="datetimeFigureOut">
               <a:rPr lang="en-US" dirty="0"/>
               <a:pPr/>
-              <a:t>7/2/19</a:t>
+              <a:t>7/4/19</a:t>
             </a:fld>
             <a:endParaRPr lang="en-US" dirty="0"/>
           </a:p>
@@ -3198,7 +3198,7 @@
             <a:fld id="{B61BEF0D-F0BB-DE4B-95CE-6DB70DBA9567}" type="datetimeFigureOut">
               <a:rPr lang="en-US" dirty="0"/>
               <a:pPr/>
-              <a:t>7/2/19</a:t>
+              <a:t>7/4/19</a:t>
             </a:fld>
             <a:endParaRPr lang="en-US" dirty="0"/>
           </a:p>
@@ -3426,7 +3426,7 @@
           <a:p>
             <a:fld id="{EB712588-04B1-427B-82EE-E8DB90309F08}" type="datetimeFigureOut">
               <a:rPr lang="en-US" dirty="0"/>
-              <a:t>7/2/19</a:t>
+              <a:t>7/4/19</a:t>
             </a:fld>
             <a:endParaRPr lang="en-US" dirty="0"/>
           </a:p>
@@ -3796,7 +3796,7 @@
             <a:fld id="{B61BEF0D-F0BB-DE4B-95CE-6DB70DBA9567}" type="datetimeFigureOut">
               <a:rPr lang="en-US" dirty="0"/>
               <a:pPr/>
-              <a:t>7/2/19</a:t>
+              <a:t>7/4/19</a:t>
             </a:fld>
             <a:endParaRPr lang="en-US" dirty="0"/>
           </a:p>
@@ -3916,7 +3916,7 @@
             <a:fld id="{B61BEF0D-F0BB-DE4B-95CE-6DB70DBA9567}" type="datetimeFigureOut">
               <a:rPr lang="en-US" dirty="0"/>
               <a:pPr/>
-              <a:t>7/2/19</a:t>
+              <a:t>7/4/19</a:t>
             </a:fld>
             <a:endParaRPr lang="en-US" dirty="0"/>
           </a:p>
@@ -4008,7 +4008,7 @@
             <a:fld id="{B61BEF0D-F0BB-DE4B-95CE-6DB70DBA9567}" type="datetimeFigureOut">
               <a:rPr lang="en-US" dirty="0"/>
               <a:pPr/>
-              <a:t>7/2/19</a:t>
+              <a:t>7/4/19</a:t>
             </a:fld>
             <a:endParaRPr lang="en-US" dirty="0"/>
           </a:p>
@@ -4259,7 +4259,7 @@
           <a:p>
             <a:fld id="{42A54C80-263E-416B-A8E0-580EDEADCBDC}" type="datetimeFigureOut">
               <a:rPr lang="en-US" dirty="0"/>
-              <a:t>7/2/19</a:t>
+              <a:t>7/4/19</a:t>
             </a:fld>
             <a:endParaRPr lang="en-US" dirty="0"/>
           </a:p>
@@ -4518,7 +4518,7 @@
             <a:fld id="{B61BEF0D-F0BB-DE4B-95CE-6DB70DBA9567}" type="datetimeFigureOut">
               <a:rPr lang="en-US" dirty="0"/>
               <a:pPr/>
-              <a:t>7/2/19</a:t>
+              <a:t>7/4/19</a:t>
             </a:fld>
             <a:endParaRPr lang="en-US" dirty="0"/>
           </a:p>
@@ -5258,7 +5258,7 @@
             <a:fld id="{B61BEF0D-F0BB-DE4B-95CE-6DB70DBA9567}" type="datetimeFigureOut">
               <a:rPr lang="en-US" dirty="0"/>
               <a:pPr/>
-              <a:t>7/2/19</a:t>
+              <a:t>7/4/19</a:t>
             </a:fld>
             <a:endParaRPr lang="en-US" dirty="0"/>
           </a:p>
@@ -6040,13 +6040,7 @@
           <a:p>
             <a:r>
               <a:rPr lang="en-US" dirty="0"/>
-              <a:t>Law enforcement personnel and community organizations tend to lack comprehensive, consolidated, data-driven tools to address missing persons cases. </a:t>
-            </a:r>
-          </a:p>
-          <a:p>
-            <a:r>
-              <a:rPr lang="en-US" dirty="0"/>
-              <a:t>A consolidated, consistent and current database of spatiotemporal and demographic data on missing persons can help law enforcement and advocacy groups identify trends in missing persons data and potentially investigate incidences of exploitation such as human trafficking or serial crime.</a:t>
+              <a:t>A National consolidated, consistent and current database of spatiotemporal and demographic data on missing persons can help law enforcement and advocacy groups identify trends in missing persons data, including but not limited to human trafficking or serial crime.  Local law enforcement and government agencies lack consistency in the data capture methods and availability of structured missing persons data, making spatial analysis difficult to conduct. </a:t>
             </a:r>
           </a:p>
         </p:txBody>
